--- a/Presentation/presentation_pepe_pennese_medaglia.pptx
+++ b/Presentation/presentation_pepe_pennese_medaglia.pptx
@@ -295,7 +295,7 @@
           <a:p>
             <a:fld id="{3FDFAF59-80FD-42F8-B77B-6179688B7234}" type="datetimeFigureOut">
               <a:rPr lang="de-DE" smtClean="0"/>
-              <a:t>21.03.2020</a:t>
+              <a:t>23.03.2020</a:t>
             </a:fld>
             <a:endParaRPr lang="de-DE"/>
           </a:p>
@@ -463,7 +463,7 @@
           <a:p>
             <a:fld id="{3FDFAF59-80FD-42F8-B77B-6179688B7234}" type="datetimeFigureOut">
               <a:rPr lang="de-DE" smtClean="0"/>
-              <a:t>21.03.2020</a:t>
+              <a:t>23.03.2020</a:t>
             </a:fld>
             <a:endParaRPr lang="de-DE"/>
           </a:p>
@@ -641,7 +641,7 @@
           <a:p>
             <a:fld id="{3FDFAF59-80FD-42F8-B77B-6179688B7234}" type="datetimeFigureOut">
               <a:rPr lang="de-DE" smtClean="0"/>
-              <a:t>21.03.2020</a:t>
+              <a:t>23.03.2020</a:t>
             </a:fld>
             <a:endParaRPr lang="de-DE"/>
           </a:p>
@@ -809,7 +809,7 @@
           <a:p>
             <a:fld id="{3FDFAF59-80FD-42F8-B77B-6179688B7234}" type="datetimeFigureOut">
               <a:rPr lang="de-DE" smtClean="0"/>
-              <a:t>21.03.2020</a:t>
+              <a:t>23.03.2020</a:t>
             </a:fld>
             <a:endParaRPr lang="de-DE"/>
           </a:p>
@@ -1054,7 +1054,7 @@
           <a:p>
             <a:fld id="{3FDFAF59-80FD-42F8-B77B-6179688B7234}" type="datetimeFigureOut">
               <a:rPr lang="de-DE" smtClean="0"/>
-              <a:t>21.03.2020</a:t>
+              <a:t>23.03.2020</a:t>
             </a:fld>
             <a:endParaRPr lang="de-DE"/>
           </a:p>
@@ -1283,7 +1283,7 @@
           <a:p>
             <a:fld id="{3FDFAF59-80FD-42F8-B77B-6179688B7234}" type="datetimeFigureOut">
               <a:rPr lang="de-DE" smtClean="0"/>
-              <a:t>21.03.2020</a:t>
+              <a:t>23.03.2020</a:t>
             </a:fld>
             <a:endParaRPr lang="de-DE"/>
           </a:p>
@@ -1647,7 +1647,7 @@
           <a:p>
             <a:fld id="{3FDFAF59-80FD-42F8-B77B-6179688B7234}" type="datetimeFigureOut">
               <a:rPr lang="de-DE" smtClean="0"/>
-              <a:t>21.03.2020</a:t>
+              <a:t>23.03.2020</a:t>
             </a:fld>
             <a:endParaRPr lang="de-DE"/>
           </a:p>
@@ -1764,7 +1764,7 @@
           <a:p>
             <a:fld id="{3FDFAF59-80FD-42F8-B77B-6179688B7234}" type="datetimeFigureOut">
               <a:rPr lang="de-DE" smtClean="0"/>
-              <a:t>21.03.2020</a:t>
+              <a:t>23.03.2020</a:t>
             </a:fld>
             <a:endParaRPr lang="de-DE"/>
           </a:p>
@@ -1859,7 +1859,7 @@
           <a:p>
             <a:fld id="{3FDFAF59-80FD-42F8-B77B-6179688B7234}" type="datetimeFigureOut">
               <a:rPr lang="de-DE" smtClean="0"/>
-              <a:t>21.03.2020</a:t>
+              <a:t>23.03.2020</a:t>
             </a:fld>
             <a:endParaRPr lang="de-DE"/>
           </a:p>
@@ -2134,7 +2134,7 @@
           <a:p>
             <a:fld id="{3FDFAF59-80FD-42F8-B77B-6179688B7234}" type="datetimeFigureOut">
               <a:rPr lang="de-DE" smtClean="0"/>
-              <a:t>21.03.2020</a:t>
+              <a:t>23.03.2020</a:t>
             </a:fld>
             <a:endParaRPr lang="de-DE"/>
           </a:p>
@@ -2386,7 +2386,7 @@
           <a:p>
             <a:fld id="{3FDFAF59-80FD-42F8-B77B-6179688B7234}" type="datetimeFigureOut">
               <a:rPr lang="de-DE" smtClean="0"/>
-              <a:t>21.03.2020</a:t>
+              <a:t>23.03.2020</a:t>
             </a:fld>
             <a:endParaRPr lang="de-DE"/>
           </a:p>
@@ -2600,7 +2600,7 @@
           <a:p>
             <a:fld id="{3FDFAF59-80FD-42F8-B77B-6179688B7234}" type="datetimeFigureOut">
               <a:rPr lang="de-DE" smtClean="0"/>
-              <a:t>21.03.2020</a:t>
+              <a:t>23.03.2020</a:t>
             </a:fld>
             <a:endParaRPr lang="de-DE"/>
           </a:p>
@@ -8068,7 +8068,7 @@
         </p:nvGrpSpPr>
         <p:grpSpPr>
           <a:xfrm>
-            <a:off x="1049062" y="0"/>
+            <a:off x="1058298" y="9236"/>
             <a:ext cx="10015178" cy="6858000"/>
             <a:chOff x="491575" y="0"/>
             <a:chExt cx="9574094" cy="6858000"/>
@@ -26491,7 +26491,7 @@
         </p:blipFill>
         <p:spPr>
           <a:xfrm>
-            <a:off x="2609826" y="1148870"/>
+            <a:off x="2530846" y="1137778"/>
             <a:ext cx="3665150" cy="2443433"/>
           </a:xfrm>
           <a:prstGeom prst="rect">
@@ -26558,7 +26558,7 @@
         </p:nvSpPr>
         <p:spPr>
           <a:xfrm>
-            <a:off x="2312443" y="5403527"/>
+            <a:off x="2312443" y="5935265"/>
             <a:ext cx="9266476" cy="707886"/>
           </a:xfrm>
           <a:prstGeom prst="rect">
@@ -26620,7 +26620,7 @@
         </p:blipFill>
         <p:spPr>
           <a:xfrm>
-            <a:off x="6596651" y="1154671"/>
+            <a:off x="6491733" y="1135378"/>
             <a:ext cx="3656448" cy="2437632"/>
           </a:xfrm>
           <a:prstGeom prst="rect">
@@ -26661,7 +26661,7 @@
         </p:blipFill>
         <p:spPr>
           <a:xfrm>
-            <a:off x="3158600" y="4024171"/>
+            <a:off x="3163201" y="4287100"/>
             <a:ext cx="6838687" cy="1026771"/>
           </a:xfrm>
           <a:prstGeom prst="rect">
@@ -26674,6 +26674,152 @@
           </a:ln>
         </p:spPr>
       </p:pic>
+      <p:sp>
+        <p:nvSpPr>
+          <p:cNvPr id="2" name="CasellaDiTesto 1">
+            <a:extLst>
+              <a:ext uri="{FF2B5EF4-FFF2-40B4-BE49-F238E27FC236}">
+                <a16:creationId xmlns:a16="http://schemas.microsoft.com/office/drawing/2014/main" id="{2D5D919C-1B6D-4897-8615-D3905F5E4D60}"/>
+              </a:ext>
+            </a:extLst>
+          </p:cNvPr>
+          <p:cNvSpPr txBox="1"/>
+          <p:nvPr/>
+        </p:nvSpPr>
+        <p:spPr>
+          <a:xfrm>
+            <a:off x="4363421" y="3669213"/>
+            <a:ext cx="5013884" cy="369332"/>
+          </a:xfrm>
+          <a:prstGeom prst="rect">
+            <a:avLst/>
+          </a:prstGeom>
+          <a:noFill/>
+        </p:spPr>
+        <p:txBody>
+          <a:bodyPr wrap="square" rtlCol="0">
+            <a:spAutoFit/>
+          </a:bodyPr>
+          <a:lstStyle/>
+          <a:p>
+            <a:r>
+              <a:rPr lang="it-IT" i="1" dirty="0">
+                <a:latin typeface="Tw Cen MT" panose="020B0602020104020603" pitchFamily="34" charset="0"/>
+              </a:rPr>
+              <a:t>Confidence </a:t>
+            </a:r>
+            <a:r>
+              <a:rPr lang="it-IT" i="1" dirty="0" err="1">
+                <a:latin typeface="Tw Cen MT" panose="020B0602020104020603" pitchFamily="34" charset="0"/>
+              </a:rPr>
+              <a:t>intervals</a:t>
+            </a:r>
+            <a:r>
+              <a:rPr lang="it-IT" i="1" dirty="0">
+                <a:latin typeface="Tw Cen MT" panose="020B0602020104020603" pitchFamily="34" charset="0"/>
+              </a:rPr>
+              <a:t> </a:t>
+            </a:r>
+            <a:r>
+              <a:rPr lang="it-IT" i="1" dirty="0" err="1">
+                <a:latin typeface="Tw Cen MT" panose="020B0602020104020603" pitchFamily="34" charset="0"/>
+              </a:rPr>
+              <a:t>computed</a:t>
+            </a:r>
+            <a:r>
+              <a:rPr lang="it-IT" i="1" dirty="0">
+                <a:latin typeface="Tw Cen MT" panose="020B0602020104020603" pitchFamily="34" charset="0"/>
+              </a:rPr>
+              <a:t> on </a:t>
+            </a:r>
+            <a:r>
+              <a:rPr lang="it-IT" i="1" dirty="0" err="1">
+                <a:latin typeface="Tw Cen MT" panose="020B0602020104020603" pitchFamily="34" charset="0"/>
+              </a:rPr>
+              <a:t>regression</a:t>
+            </a:r>
+            <a:r>
+              <a:rPr lang="it-IT" i="1" dirty="0">
+                <a:latin typeface="Tw Cen MT" panose="020B0602020104020603" pitchFamily="34" charset="0"/>
+              </a:rPr>
+              <a:t> task </a:t>
+            </a:r>
+          </a:p>
+        </p:txBody>
+      </p:sp>
+      <p:sp>
+        <p:nvSpPr>
+          <p:cNvPr id="35" name="CasellaDiTesto 34">
+            <a:extLst>
+              <a:ext uri="{FF2B5EF4-FFF2-40B4-BE49-F238E27FC236}">
+                <a16:creationId xmlns:a16="http://schemas.microsoft.com/office/drawing/2014/main" id="{B7C2330B-6EDF-4089-A34D-12FB22125CA1}"/>
+              </a:ext>
+            </a:extLst>
+          </p:cNvPr>
+          <p:cNvSpPr txBox="1"/>
+          <p:nvPr/>
+        </p:nvSpPr>
+        <p:spPr>
+          <a:xfrm>
+            <a:off x="4363421" y="5402640"/>
+            <a:ext cx="5013884" cy="369332"/>
+          </a:xfrm>
+          <a:prstGeom prst="rect">
+            <a:avLst/>
+          </a:prstGeom>
+          <a:noFill/>
+        </p:spPr>
+        <p:txBody>
+          <a:bodyPr wrap="square" rtlCol="0">
+            <a:spAutoFit/>
+          </a:bodyPr>
+          <a:lstStyle/>
+          <a:p>
+            <a:r>
+              <a:rPr lang="it-IT" i="1" dirty="0">
+                <a:latin typeface="Tw Cen MT" panose="020B0602020104020603" pitchFamily="34" charset="0"/>
+              </a:rPr>
+              <a:t>Confidence </a:t>
+            </a:r>
+            <a:r>
+              <a:rPr lang="it-IT" i="1" dirty="0" err="1">
+                <a:latin typeface="Tw Cen MT" panose="020B0602020104020603" pitchFamily="34" charset="0"/>
+              </a:rPr>
+              <a:t>intervals</a:t>
+            </a:r>
+            <a:r>
+              <a:rPr lang="it-IT" i="1" dirty="0">
+                <a:latin typeface="Tw Cen MT" panose="020B0602020104020603" pitchFamily="34" charset="0"/>
+              </a:rPr>
+              <a:t> </a:t>
+            </a:r>
+            <a:r>
+              <a:rPr lang="it-IT" i="1" dirty="0" err="1">
+                <a:latin typeface="Tw Cen MT" panose="020B0602020104020603" pitchFamily="34" charset="0"/>
+              </a:rPr>
+              <a:t>computed</a:t>
+            </a:r>
+            <a:r>
+              <a:rPr lang="it-IT" i="1" dirty="0">
+                <a:latin typeface="Tw Cen MT" panose="020B0602020104020603" pitchFamily="34" charset="0"/>
+              </a:rPr>
+              <a:t> on </a:t>
+            </a:r>
+            <a:r>
+              <a:rPr lang="it-IT" i="1" dirty="0" err="1">
+                <a:latin typeface="Tw Cen MT" panose="020B0602020104020603" pitchFamily="34" charset="0"/>
+              </a:rPr>
+              <a:t>classification</a:t>
+            </a:r>
+            <a:r>
+              <a:rPr lang="it-IT" i="1" dirty="0">
+                <a:latin typeface="Tw Cen MT" panose="020B0602020104020603" pitchFamily="34" charset="0"/>
+              </a:rPr>
+              <a:t> task </a:t>
+            </a:r>
+          </a:p>
+        </p:txBody>
+      </p:sp>
     </p:spTree>
     <p:extLst>
       <p:ext uri="{BB962C8B-B14F-4D97-AF65-F5344CB8AC3E}">
